--- a/meeting_3_12_25.pptx
+++ b/meeting_3_12_25.pptx
@@ -3358,7 +3358,7 @@
         </p:blipFill>
         <p:spPr>
           <a:xfrm>
-            <a:off x="3195198" y="1353424"/>
+            <a:off x="4198088" y="1294430"/>
             <a:ext cx="4769984" cy="3610529"/>
           </a:xfrm>
           <a:prstGeom prst="rect">

--- a/meeting_3_12_25.pptx
+++ b/meeting_3_12_25.pptx
@@ -260,7 +260,7 @@
           <a:p>
             <a:fld id="{747EE0E7-01EF-483F-831E-57E5D6BDACB8}" type="datetimeFigureOut">
               <a:rPr lang="en-US" smtClean="0"/>
-              <a:t>3/10/2025</a:t>
+              <a:t>3/12/2025</a:t>
             </a:fld>
             <a:endParaRPr lang="en-US"/>
           </a:p>
@@ -458,7 +458,7 @@
           <a:p>
             <a:fld id="{747EE0E7-01EF-483F-831E-57E5D6BDACB8}" type="datetimeFigureOut">
               <a:rPr lang="en-US" smtClean="0"/>
-              <a:t>3/10/2025</a:t>
+              <a:t>3/12/2025</a:t>
             </a:fld>
             <a:endParaRPr lang="en-US"/>
           </a:p>
@@ -666,7 +666,7 @@
           <a:p>
             <a:fld id="{747EE0E7-01EF-483F-831E-57E5D6BDACB8}" type="datetimeFigureOut">
               <a:rPr lang="en-US" smtClean="0"/>
-              <a:t>3/10/2025</a:t>
+              <a:t>3/12/2025</a:t>
             </a:fld>
             <a:endParaRPr lang="en-US"/>
           </a:p>
@@ -864,7 +864,7 @@
           <a:p>
             <a:fld id="{747EE0E7-01EF-483F-831E-57E5D6BDACB8}" type="datetimeFigureOut">
               <a:rPr lang="en-US" smtClean="0"/>
-              <a:t>3/10/2025</a:t>
+              <a:t>3/12/2025</a:t>
             </a:fld>
             <a:endParaRPr lang="en-US"/>
           </a:p>
@@ -1139,7 +1139,7 @@
           <a:p>
             <a:fld id="{747EE0E7-01EF-483F-831E-57E5D6BDACB8}" type="datetimeFigureOut">
               <a:rPr lang="en-US" smtClean="0"/>
-              <a:t>3/10/2025</a:t>
+              <a:t>3/12/2025</a:t>
             </a:fld>
             <a:endParaRPr lang="en-US"/>
           </a:p>
@@ -1404,7 +1404,7 @@
           <a:p>
             <a:fld id="{747EE0E7-01EF-483F-831E-57E5D6BDACB8}" type="datetimeFigureOut">
               <a:rPr lang="en-US" smtClean="0"/>
-              <a:t>3/10/2025</a:t>
+              <a:t>3/12/2025</a:t>
             </a:fld>
             <a:endParaRPr lang="en-US"/>
           </a:p>
@@ -1816,7 +1816,7 @@
           <a:p>
             <a:fld id="{747EE0E7-01EF-483F-831E-57E5D6BDACB8}" type="datetimeFigureOut">
               <a:rPr lang="en-US" smtClean="0"/>
-              <a:t>3/10/2025</a:t>
+              <a:t>3/12/2025</a:t>
             </a:fld>
             <a:endParaRPr lang="en-US"/>
           </a:p>
@@ -1957,7 +1957,7 @@
           <a:p>
             <a:fld id="{747EE0E7-01EF-483F-831E-57E5D6BDACB8}" type="datetimeFigureOut">
               <a:rPr lang="en-US" smtClean="0"/>
-              <a:t>3/10/2025</a:t>
+              <a:t>3/12/2025</a:t>
             </a:fld>
             <a:endParaRPr lang="en-US"/>
           </a:p>
@@ -2070,7 +2070,7 @@
           <a:p>
             <a:fld id="{747EE0E7-01EF-483F-831E-57E5D6BDACB8}" type="datetimeFigureOut">
               <a:rPr lang="en-US" smtClean="0"/>
-              <a:t>3/10/2025</a:t>
+              <a:t>3/12/2025</a:t>
             </a:fld>
             <a:endParaRPr lang="en-US"/>
           </a:p>
@@ -2381,7 +2381,7 @@
           <a:p>
             <a:fld id="{747EE0E7-01EF-483F-831E-57E5D6BDACB8}" type="datetimeFigureOut">
               <a:rPr lang="en-US" smtClean="0"/>
-              <a:t>3/10/2025</a:t>
+              <a:t>3/12/2025</a:t>
             </a:fld>
             <a:endParaRPr lang="en-US"/>
           </a:p>
@@ -2672,7 +2672,7 @@
           <a:p>
             <a:fld id="{747EE0E7-01EF-483F-831E-57E5D6BDACB8}" type="datetimeFigureOut">
               <a:rPr lang="en-US" smtClean="0"/>
-              <a:t>3/10/2025</a:t>
+              <a:t>3/12/2025</a:t>
             </a:fld>
             <a:endParaRPr lang="en-US"/>
           </a:p>
@@ -2913,7 +2913,7 @@
           <a:p>
             <a:fld id="{747EE0E7-01EF-483F-831E-57E5D6BDACB8}" type="datetimeFigureOut">
               <a:rPr lang="en-US" smtClean="0"/>
-              <a:t>3/10/2025</a:t>
+              <a:t>3/12/2025</a:t>
             </a:fld>
             <a:endParaRPr lang="en-US"/>
           </a:p>
@@ -3336,96 +3336,6 @@
           <a:chExt cx="0" cy="0"/>
         </a:xfrm>
       </p:grpSpPr>
-      <p:pic>
-        <p:nvPicPr>
-          <p:cNvPr id="8" name="Picture 7">
-            <a:extLst>
-              <a:ext uri="{FF2B5EF4-FFF2-40B4-BE49-F238E27FC236}">
-                <a16:creationId xmlns:a16="http://schemas.microsoft.com/office/drawing/2014/main" id="{87F89802-7B3E-B56F-111E-EB1CAE110930}"/>
-              </a:ext>
-            </a:extLst>
-          </p:cNvPr>
-          <p:cNvPicPr>
-            <a:picLocks noChangeAspect="1"/>
-          </p:cNvPicPr>
-          <p:nvPr/>
-        </p:nvPicPr>
-        <p:blipFill>
-          <a:blip r:embed="rId2"/>
-          <a:stretch>
-            <a:fillRect/>
-          </a:stretch>
-        </p:blipFill>
-        <p:spPr>
-          <a:xfrm>
-            <a:off x="4198088" y="1294430"/>
-            <a:ext cx="4769984" cy="3610529"/>
-          </a:xfrm>
-          <a:prstGeom prst="rect">
-            <a:avLst/>
-          </a:prstGeom>
-        </p:spPr>
-      </p:pic>
-      <p:pic>
-        <p:nvPicPr>
-          <p:cNvPr id="4" name="Picture 3">
-            <a:extLst>
-              <a:ext uri="{FF2B5EF4-FFF2-40B4-BE49-F238E27FC236}">
-                <a16:creationId xmlns:a16="http://schemas.microsoft.com/office/drawing/2014/main" id="{BB277985-1586-92B3-6FBB-C0A4A9700832}"/>
-              </a:ext>
-            </a:extLst>
-          </p:cNvPr>
-          <p:cNvPicPr>
-            <a:picLocks noChangeAspect="1"/>
-          </p:cNvPicPr>
-          <p:nvPr/>
-        </p:nvPicPr>
-        <p:blipFill>
-          <a:blip r:embed="rId3"/>
-          <a:stretch>
-            <a:fillRect/>
-          </a:stretch>
-        </p:blipFill>
-        <p:spPr>
-          <a:xfrm>
-            <a:off x="6459795" y="2513667"/>
-            <a:ext cx="5732206" cy="4344333"/>
-          </a:xfrm>
-          <a:prstGeom prst="rect">
-            <a:avLst/>
-          </a:prstGeom>
-        </p:spPr>
-      </p:pic>
-      <p:pic>
-        <p:nvPicPr>
-          <p:cNvPr id="11" name="Picture 10">
-            <a:extLst>
-              <a:ext uri="{FF2B5EF4-FFF2-40B4-BE49-F238E27FC236}">
-                <a16:creationId xmlns:a16="http://schemas.microsoft.com/office/drawing/2014/main" id="{0032DC6E-D477-0BC8-113C-90239C29611C}"/>
-              </a:ext>
-            </a:extLst>
-          </p:cNvPr>
-          <p:cNvPicPr>
-            <a:picLocks noChangeAspect="1"/>
-          </p:cNvPicPr>
-          <p:nvPr/>
-        </p:nvPicPr>
-        <p:blipFill>
-          <a:blip r:embed="rId4"/>
-          <a:stretch>
-            <a:fillRect/>
-          </a:stretch>
-        </p:blipFill>
-        <p:spPr>
-          <a:xfrm>
-            <a:off x="57231" y="10576"/>
-            <a:ext cx="4849065" cy="3615531"/>
-          </a:xfrm>
-          <a:prstGeom prst="rect">
-            <a:avLst/>
-          </a:prstGeom>
-        </p:spPr>
-      </p:pic>
     </p:spTree>
     <p:extLst>
       <p:ext uri="{BB962C8B-B14F-4D97-AF65-F5344CB8AC3E}">
@@ -3462,96 +3372,6 @@
           <a:chExt cx="0" cy="0"/>
         </a:xfrm>
       </p:grpSpPr>
-      <p:pic>
-        <p:nvPicPr>
-          <p:cNvPr id="5" name="Picture 4">
-            <a:extLst>
-              <a:ext uri="{FF2B5EF4-FFF2-40B4-BE49-F238E27FC236}">
-                <a16:creationId xmlns:a16="http://schemas.microsoft.com/office/drawing/2014/main" id="{4232C1EE-0B74-7D37-4832-092E2392DB7F}"/>
-              </a:ext>
-            </a:extLst>
-          </p:cNvPr>
-          <p:cNvPicPr>
-            <a:picLocks noChangeAspect="1"/>
-          </p:cNvPicPr>
-          <p:nvPr/>
-        </p:nvPicPr>
-        <p:blipFill>
-          <a:blip r:embed="rId2"/>
-          <a:stretch>
-            <a:fillRect/>
-          </a:stretch>
-        </p:blipFill>
-        <p:spPr>
-          <a:xfrm>
-            <a:off x="3675942" y="1163996"/>
-            <a:ext cx="5287111" cy="4002142"/>
-          </a:xfrm>
-          <a:prstGeom prst="rect">
-            <a:avLst/>
-          </a:prstGeom>
-        </p:spPr>
-      </p:pic>
-      <p:pic>
-        <p:nvPicPr>
-          <p:cNvPr id="7" name="Picture 6">
-            <a:extLst>
-              <a:ext uri="{FF2B5EF4-FFF2-40B4-BE49-F238E27FC236}">
-                <a16:creationId xmlns:a16="http://schemas.microsoft.com/office/drawing/2014/main" id="{FCD7E4FA-DF6E-9554-0D9A-07FBE0F38F4D}"/>
-              </a:ext>
-            </a:extLst>
-          </p:cNvPr>
-          <p:cNvPicPr>
-            <a:picLocks noChangeAspect="1"/>
-          </p:cNvPicPr>
-          <p:nvPr/>
-        </p:nvPicPr>
-        <p:blipFill>
-          <a:blip r:embed="rId3"/>
-          <a:stretch>
-            <a:fillRect/>
-          </a:stretch>
-        </p:blipFill>
-        <p:spPr>
-          <a:xfrm>
-            <a:off x="6292645" y="2366445"/>
-            <a:ext cx="5899355" cy="4491555"/>
-          </a:xfrm>
-          <a:prstGeom prst="rect">
-            <a:avLst/>
-          </a:prstGeom>
-        </p:spPr>
-      </p:pic>
-      <p:pic>
-        <p:nvPicPr>
-          <p:cNvPr id="3" name="Picture 2">
-            <a:extLst>
-              <a:ext uri="{FF2B5EF4-FFF2-40B4-BE49-F238E27FC236}">
-                <a16:creationId xmlns:a16="http://schemas.microsoft.com/office/drawing/2014/main" id="{37DF30C7-C08F-D84C-1A83-B8E8A9FE5C86}"/>
-              </a:ext>
-            </a:extLst>
-          </p:cNvPr>
-          <p:cNvPicPr>
-            <a:picLocks noChangeAspect="1"/>
-          </p:cNvPicPr>
-          <p:nvPr/>
-        </p:nvPicPr>
-        <p:blipFill>
-          <a:blip r:embed="rId4"/>
-          <a:stretch>
-            <a:fillRect/>
-          </a:stretch>
-        </p:blipFill>
-        <p:spPr>
-          <a:xfrm>
-            <a:off x="0" y="0"/>
-            <a:ext cx="5287111" cy="3982065"/>
-          </a:xfrm>
-          <a:prstGeom prst="rect">
-            <a:avLst/>
-          </a:prstGeom>
-        </p:spPr>
-      </p:pic>
     </p:spTree>
     <p:extLst>
       <p:ext uri="{BB962C8B-B14F-4D97-AF65-F5344CB8AC3E}">

--- a/meeting_3_12_25.pptx
+++ b/meeting_3_12_25.pptx
@@ -6,7 +6,8 @@
   </p:sldMasterIdLst>
   <p:sldIdLst>
     <p:sldId id="271" r:id="rId2"/>
-    <p:sldId id="270" r:id="rId3"/>
+    <p:sldId id="272" r:id="rId3"/>
+    <p:sldId id="270" r:id="rId4"/>
   </p:sldIdLst>
   <p:sldSz cx="12192000" cy="6858000"/>
   <p:notesSz cx="6858000" cy="9144000"/>
@@ -3336,6 +3337,96 @@
           <a:chExt cx="0" cy="0"/>
         </a:xfrm>
       </p:grpSpPr>
+      <p:pic>
+        <p:nvPicPr>
+          <p:cNvPr id="6" name="Picture 5">
+            <a:extLst>
+              <a:ext uri="{FF2B5EF4-FFF2-40B4-BE49-F238E27FC236}">
+                <a16:creationId xmlns:a16="http://schemas.microsoft.com/office/drawing/2014/main" id="{390707BE-A793-67BF-CF78-AC60AE876F92}"/>
+              </a:ext>
+            </a:extLst>
+          </p:cNvPr>
+          <p:cNvPicPr>
+            <a:picLocks noChangeAspect="1"/>
+          </p:cNvPicPr>
+          <p:nvPr/>
+        </p:nvPicPr>
+        <p:blipFill>
+          <a:blip r:embed="rId2"/>
+          <a:stretch>
+            <a:fillRect/>
+          </a:stretch>
+        </p:blipFill>
+        <p:spPr>
+          <a:xfrm>
+            <a:off x="88911" y="2767781"/>
+            <a:ext cx="5412926" cy="4090219"/>
+          </a:xfrm>
+          <a:prstGeom prst="rect">
+            <a:avLst/>
+          </a:prstGeom>
+        </p:spPr>
+      </p:pic>
+      <p:pic>
+        <p:nvPicPr>
+          <p:cNvPr id="9" name="Picture 8">
+            <a:extLst>
+              <a:ext uri="{FF2B5EF4-FFF2-40B4-BE49-F238E27FC236}">
+                <a16:creationId xmlns:a16="http://schemas.microsoft.com/office/drawing/2014/main" id="{F06982AB-14F5-7DEB-E10E-4CA149BC94ED}"/>
+              </a:ext>
+            </a:extLst>
+          </p:cNvPr>
+          <p:cNvPicPr>
+            <a:picLocks noChangeAspect="1"/>
+          </p:cNvPicPr>
+          <p:nvPr/>
+        </p:nvPicPr>
+        <p:blipFill>
+          <a:blip r:embed="rId3"/>
+          <a:stretch>
+            <a:fillRect/>
+          </a:stretch>
+        </p:blipFill>
+        <p:spPr>
+          <a:xfrm>
+            <a:off x="5781368" y="2767780"/>
+            <a:ext cx="5455913" cy="4090219"/>
+          </a:xfrm>
+          <a:prstGeom prst="rect">
+            <a:avLst/>
+          </a:prstGeom>
+        </p:spPr>
+      </p:pic>
+      <p:pic>
+        <p:nvPicPr>
+          <p:cNvPr id="12" name="Picture 11">
+            <a:extLst>
+              <a:ext uri="{FF2B5EF4-FFF2-40B4-BE49-F238E27FC236}">
+                <a16:creationId xmlns:a16="http://schemas.microsoft.com/office/drawing/2014/main" id="{4179BFAA-02A8-2DD1-739F-CFDB90447785}"/>
+              </a:ext>
+            </a:extLst>
+          </p:cNvPr>
+          <p:cNvPicPr>
+            <a:picLocks noChangeAspect="1"/>
+          </p:cNvPicPr>
+          <p:nvPr/>
+        </p:nvPicPr>
+        <p:blipFill>
+          <a:blip r:embed="rId4"/>
+          <a:stretch>
+            <a:fillRect/>
+          </a:stretch>
+        </p:blipFill>
+        <p:spPr>
+          <a:xfrm>
+            <a:off x="460815" y="0"/>
+            <a:ext cx="4150514" cy="2344676"/>
+          </a:xfrm>
+          <a:prstGeom prst="rect">
+            <a:avLst/>
+          </a:prstGeom>
+        </p:spPr>
+      </p:pic>
     </p:spTree>
     <p:extLst>
       <p:ext uri="{BB962C8B-B14F-4D97-AF65-F5344CB8AC3E}">
@@ -3350,6 +3441,212 @@
 </file>
 
 <file path=ppt/slides/slide2.xml><?xml version="1.0" encoding="utf-8"?>
+<p:sld xmlns:a="http://schemas.openxmlformats.org/drawingml/2006/main" xmlns:r="http://schemas.openxmlformats.org/officeDocument/2006/relationships" xmlns:p="http://schemas.openxmlformats.org/presentationml/2006/main">
+  <p:cSld>
+    <p:spTree>
+      <p:nvGrpSpPr>
+        <p:cNvPr id="1" name="">
+          <a:extLst>
+            <a:ext uri="{FF2B5EF4-FFF2-40B4-BE49-F238E27FC236}">
+              <a16:creationId xmlns:a16="http://schemas.microsoft.com/office/drawing/2014/main" id="{F0C7B637-AA53-AD4C-61BE-22C1197F3DC1}"/>
+            </a:ext>
+          </a:extLst>
+        </p:cNvPr>
+        <p:cNvGrpSpPr/>
+        <p:nvPr/>
+      </p:nvGrpSpPr>
+      <p:grpSpPr>
+        <a:xfrm>
+          <a:off x="0" y="0"/>
+          <a:ext cx="0" cy="0"/>
+          <a:chOff x="0" y="0"/>
+          <a:chExt cx="0" cy="0"/>
+        </a:xfrm>
+      </p:grpSpPr>
+      <p:pic>
+        <p:nvPicPr>
+          <p:cNvPr id="4" name="Picture 3">
+            <a:extLst>
+              <a:ext uri="{FF2B5EF4-FFF2-40B4-BE49-F238E27FC236}">
+                <a16:creationId xmlns:a16="http://schemas.microsoft.com/office/drawing/2014/main" id="{9B74FBB9-2039-6EC3-E481-01DC4A72F5F6}"/>
+              </a:ext>
+            </a:extLst>
+          </p:cNvPr>
+          <p:cNvPicPr>
+            <a:picLocks noChangeAspect="1"/>
+          </p:cNvPicPr>
+          <p:nvPr/>
+        </p:nvPicPr>
+        <p:blipFill>
+          <a:blip r:embed="rId2">
+            <a:extLst>
+              <a:ext uri="{28A0092B-C50C-407E-A947-70E740481C1C}">
+                <a14:useLocalDpi xmlns:a14="http://schemas.microsoft.com/office/drawing/2010/main" val="0"/>
+              </a:ext>
+            </a:extLst>
+          </a:blip>
+          <a:srcRect/>
+          <a:stretch/>
+        </p:blipFill>
+        <p:spPr>
+          <a:xfrm>
+            <a:off x="19854" y="3126658"/>
+            <a:ext cx="4929133" cy="3731342"/>
+          </a:xfrm>
+          <a:prstGeom prst="rect">
+            <a:avLst/>
+          </a:prstGeom>
+        </p:spPr>
+      </p:pic>
+      <p:pic>
+        <p:nvPicPr>
+          <p:cNvPr id="8" name="Picture 7">
+            <a:extLst>
+              <a:ext uri="{FF2B5EF4-FFF2-40B4-BE49-F238E27FC236}">
+                <a16:creationId xmlns:a16="http://schemas.microsoft.com/office/drawing/2014/main" id="{14166AB9-A576-C6E9-1BC8-B6E0904EA422}"/>
+              </a:ext>
+            </a:extLst>
+          </p:cNvPr>
+          <p:cNvPicPr>
+            <a:picLocks noChangeAspect="1"/>
+          </p:cNvPicPr>
+          <p:nvPr/>
+        </p:nvPicPr>
+        <p:blipFill>
+          <a:blip r:embed="rId3">
+            <a:extLst>
+              <a:ext uri="{28A0092B-C50C-407E-A947-70E740481C1C}">
+                <a14:useLocalDpi xmlns:a14="http://schemas.microsoft.com/office/drawing/2010/main" val="0"/>
+              </a:ext>
+            </a:extLst>
+          </a:blip>
+          <a:srcRect/>
+          <a:stretch/>
+        </p:blipFill>
+        <p:spPr>
+          <a:xfrm>
+            <a:off x="4968841" y="3034522"/>
+            <a:ext cx="4968840" cy="3714082"/>
+          </a:xfrm>
+          <a:prstGeom prst="rect">
+            <a:avLst/>
+          </a:prstGeom>
+        </p:spPr>
+      </p:pic>
+      <p:pic>
+        <p:nvPicPr>
+          <p:cNvPr id="12" name="Picture 11">
+            <a:extLst>
+              <a:ext uri="{FF2B5EF4-FFF2-40B4-BE49-F238E27FC236}">
+                <a16:creationId xmlns:a16="http://schemas.microsoft.com/office/drawing/2014/main" id="{051CC7E9-7D8C-3503-7437-5CE3C9F6B7C2}"/>
+              </a:ext>
+            </a:extLst>
+          </p:cNvPr>
+          <p:cNvPicPr>
+            <a:picLocks noChangeAspect="1"/>
+          </p:cNvPicPr>
+          <p:nvPr/>
+        </p:nvPicPr>
+        <p:blipFill>
+          <a:blip r:embed="rId4">
+            <a:extLst>
+              <a:ext uri="{28A0092B-C50C-407E-A947-70E740481C1C}">
+                <a14:useLocalDpi xmlns:a14="http://schemas.microsoft.com/office/drawing/2010/main" val="0"/>
+              </a:ext>
+            </a:extLst>
+          </a:blip>
+          <a:srcRect/>
+          <a:stretch/>
+        </p:blipFill>
+        <p:spPr>
+          <a:xfrm>
+            <a:off x="8101781" y="171042"/>
+            <a:ext cx="3707982" cy="2789190"/>
+          </a:xfrm>
+          <a:prstGeom prst="rect">
+            <a:avLst/>
+          </a:prstGeom>
+        </p:spPr>
+      </p:pic>
+      <p:pic>
+        <p:nvPicPr>
+          <p:cNvPr id="10" name="Picture 9">
+            <a:extLst>
+              <a:ext uri="{FF2B5EF4-FFF2-40B4-BE49-F238E27FC236}">
+                <a16:creationId xmlns:a16="http://schemas.microsoft.com/office/drawing/2014/main" id="{74FEAC3E-CB43-289E-5D2D-61CBCE58BBB6}"/>
+              </a:ext>
+            </a:extLst>
+          </p:cNvPr>
+          <p:cNvPicPr>
+            <a:picLocks noChangeAspect="1"/>
+          </p:cNvPicPr>
+          <p:nvPr/>
+        </p:nvPicPr>
+        <p:blipFill>
+          <a:blip r:embed="rId5">
+            <a:extLst>
+              <a:ext uri="{28A0092B-C50C-407E-A947-70E740481C1C}">
+                <a14:useLocalDpi xmlns:a14="http://schemas.microsoft.com/office/drawing/2010/main" val="0"/>
+              </a:ext>
+            </a:extLst>
+          </a:blip>
+          <a:srcRect/>
+          <a:stretch/>
+        </p:blipFill>
+        <p:spPr>
+          <a:xfrm>
+            <a:off x="4198374" y="94897"/>
+            <a:ext cx="3533039" cy="2756239"/>
+          </a:xfrm>
+          <a:prstGeom prst="rect">
+            <a:avLst/>
+          </a:prstGeom>
+        </p:spPr>
+      </p:pic>
+      <p:pic>
+        <p:nvPicPr>
+          <p:cNvPr id="5" name="Picture 4">
+            <a:extLst>
+              <a:ext uri="{FF2B5EF4-FFF2-40B4-BE49-F238E27FC236}">
+                <a16:creationId xmlns:a16="http://schemas.microsoft.com/office/drawing/2014/main" id="{3E28B5D7-67F1-8BFD-0436-CE478065E837}"/>
+              </a:ext>
+            </a:extLst>
+          </p:cNvPr>
+          <p:cNvPicPr>
+            <a:picLocks noChangeAspect="1"/>
+          </p:cNvPicPr>
+          <p:nvPr/>
+        </p:nvPicPr>
+        <p:blipFill>
+          <a:blip r:embed="rId6"/>
+          <a:stretch>
+            <a:fillRect/>
+          </a:stretch>
+        </p:blipFill>
+        <p:spPr>
+          <a:xfrm>
+            <a:off x="19854" y="105089"/>
+            <a:ext cx="3900486" cy="2929433"/>
+          </a:xfrm>
+          <a:prstGeom prst="rect">
+            <a:avLst/>
+          </a:prstGeom>
+        </p:spPr>
+      </p:pic>
+    </p:spTree>
+    <p:extLst>
+      <p:ext uri="{BB962C8B-B14F-4D97-AF65-F5344CB8AC3E}">
+        <p14:creationId xmlns:p14="http://schemas.microsoft.com/office/powerpoint/2010/main" val="1272045636"/>
+      </p:ext>
+    </p:extLst>
+  </p:cSld>
+  <p:clrMapOvr>
+    <a:masterClrMapping/>
+  </p:clrMapOvr>
+</p:sld>
+</file>
+
+<file path=ppt/slides/slide3.xml><?xml version="1.0" encoding="utf-8"?>
 <p:sld xmlns:a="http://schemas.openxmlformats.org/drawingml/2006/main" xmlns:r="http://schemas.openxmlformats.org/officeDocument/2006/relationships" xmlns:p="http://schemas.openxmlformats.org/presentationml/2006/main">
   <p:cSld>
     <p:spTree>
@@ -3372,6 +3669,161 @@
           <a:chExt cx="0" cy="0"/>
         </a:xfrm>
       </p:grpSpPr>
+      <p:pic>
+        <p:nvPicPr>
+          <p:cNvPr id="4" name="Picture 3">
+            <a:extLst>
+              <a:ext uri="{FF2B5EF4-FFF2-40B4-BE49-F238E27FC236}">
+                <a16:creationId xmlns:a16="http://schemas.microsoft.com/office/drawing/2014/main" id="{567D83DE-BCF9-F52D-0302-FDA1448BB211}"/>
+              </a:ext>
+            </a:extLst>
+          </p:cNvPr>
+          <p:cNvPicPr>
+            <a:picLocks noChangeAspect="1"/>
+          </p:cNvPicPr>
+          <p:nvPr/>
+        </p:nvPicPr>
+        <p:blipFill>
+          <a:blip r:embed="rId2"/>
+          <a:stretch>
+            <a:fillRect/>
+          </a:stretch>
+        </p:blipFill>
+        <p:spPr>
+          <a:xfrm>
+            <a:off x="0" y="3126658"/>
+            <a:ext cx="4968841" cy="3731342"/>
+          </a:xfrm>
+          <a:prstGeom prst="rect">
+            <a:avLst/>
+          </a:prstGeom>
+        </p:spPr>
+      </p:pic>
+      <p:pic>
+        <p:nvPicPr>
+          <p:cNvPr id="8" name="Picture 7">
+            <a:extLst>
+              <a:ext uri="{FF2B5EF4-FFF2-40B4-BE49-F238E27FC236}">
+                <a16:creationId xmlns:a16="http://schemas.microsoft.com/office/drawing/2014/main" id="{8446657B-3BB6-984F-5620-5CE54781A94D}"/>
+              </a:ext>
+            </a:extLst>
+          </p:cNvPr>
+          <p:cNvPicPr>
+            <a:picLocks noChangeAspect="1"/>
+          </p:cNvPicPr>
+          <p:nvPr/>
+        </p:nvPicPr>
+        <p:blipFill>
+          <a:blip r:embed="rId3"/>
+          <a:stretch>
+            <a:fillRect/>
+          </a:stretch>
+        </p:blipFill>
+        <p:spPr>
+          <a:xfrm>
+            <a:off x="4968841" y="3018066"/>
+            <a:ext cx="4968840" cy="3746995"/>
+          </a:xfrm>
+          <a:prstGeom prst="rect">
+            <a:avLst/>
+          </a:prstGeom>
+        </p:spPr>
+      </p:pic>
+      <p:pic>
+        <p:nvPicPr>
+          <p:cNvPr id="12" name="Picture 11">
+            <a:extLst>
+              <a:ext uri="{FF2B5EF4-FFF2-40B4-BE49-F238E27FC236}">
+                <a16:creationId xmlns:a16="http://schemas.microsoft.com/office/drawing/2014/main" id="{6D702D83-5995-ACFD-478D-5D3418DA5EF0}"/>
+              </a:ext>
+            </a:extLst>
+          </p:cNvPr>
+          <p:cNvPicPr>
+            <a:picLocks noChangeAspect="1"/>
+          </p:cNvPicPr>
+          <p:nvPr/>
+        </p:nvPicPr>
+        <p:blipFill>
+          <a:blip r:embed="rId4"/>
+          <a:stretch>
+            <a:fillRect/>
+          </a:stretch>
+        </p:blipFill>
+        <p:spPr>
+          <a:xfrm>
+            <a:off x="8101781" y="166930"/>
+            <a:ext cx="3707982" cy="2797414"/>
+          </a:xfrm>
+          <a:prstGeom prst="rect">
+            <a:avLst/>
+          </a:prstGeom>
+        </p:spPr>
+      </p:pic>
+      <p:pic>
+        <p:nvPicPr>
+          <p:cNvPr id="13" name="Picture 12">
+            <a:extLst>
+              <a:ext uri="{FF2B5EF4-FFF2-40B4-BE49-F238E27FC236}">
+                <a16:creationId xmlns:a16="http://schemas.microsoft.com/office/drawing/2014/main" id="{72A9BA4F-8DCE-B1C8-7BFA-DBFE590F742A}"/>
+              </a:ext>
+            </a:extLst>
+          </p:cNvPr>
+          <p:cNvPicPr>
+            <a:picLocks noChangeAspect="1"/>
+          </p:cNvPicPr>
+          <p:nvPr/>
+        </p:nvPicPr>
+        <p:blipFill>
+          <a:blip r:embed="rId5">
+            <a:extLst>
+              <a:ext uri="{28A0092B-C50C-407E-A947-70E740481C1C}">
+                <a14:useLocalDpi xmlns:a14="http://schemas.microsoft.com/office/drawing/2010/main" val="0"/>
+              </a:ext>
+            </a:extLst>
+          </a:blip>
+          <a:srcRect/>
+          <a:stretch/>
+        </p:blipFill>
+        <p:spPr>
+          <a:xfrm>
+            <a:off x="144660" y="103335"/>
+            <a:ext cx="3775681" cy="2861009"/>
+          </a:xfrm>
+          <a:prstGeom prst="rect">
+            <a:avLst/>
+          </a:prstGeom>
+        </p:spPr>
+      </p:pic>
+      <p:pic>
+        <p:nvPicPr>
+          <p:cNvPr id="10" name="Picture 9">
+            <a:extLst>
+              <a:ext uri="{FF2B5EF4-FFF2-40B4-BE49-F238E27FC236}">
+                <a16:creationId xmlns:a16="http://schemas.microsoft.com/office/drawing/2014/main" id="{A493262A-E44C-3178-89E9-1D06C46E5ED4}"/>
+              </a:ext>
+            </a:extLst>
+          </p:cNvPr>
+          <p:cNvPicPr>
+            <a:picLocks noChangeAspect="1"/>
+          </p:cNvPicPr>
+          <p:nvPr/>
+        </p:nvPicPr>
+        <p:blipFill>
+          <a:blip r:embed="rId6"/>
+          <a:stretch>
+            <a:fillRect/>
+          </a:stretch>
+        </p:blipFill>
+        <p:spPr>
+          <a:xfrm>
+            <a:off x="4135435" y="53722"/>
+            <a:ext cx="3605348" cy="2797414"/>
+          </a:xfrm>
+          <a:prstGeom prst="rect">
+            <a:avLst/>
+          </a:prstGeom>
+        </p:spPr>
+      </p:pic>
     </p:spTree>
     <p:extLst>
       <p:ext uri="{BB962C8B-B14F-4D97-AF65-F5344CB8AC3E}">
